--- a/presentation files/Derek's PPT - linked to excel.pptx
+++ b/presentation files/Derek's PPT - linked to excel.pptx
@@ -6,7 +6,8 @@
   </p:sldMasterIdLst>
   <p:sldIdLst>
     <p:sldId id="256" r:id="rId2"/>
-    <p:sldId id="257" r:id="rId3"/>
+    <p:sldId id="258" r:id="rId3"/>
+    <p:sldId id="257" r:id="rId4"/>
   </p:sldIdLst>
   <p:sldSz cx="12192000" cy="6858000"/>
   <p:notesSz cx="6858000" cy="9144000"/>
@@ -1466,7 +1467,7 @@
           <a:p>
             <a:fld id="{61E195AD-842C-434B-9E52-BFFF979F97AA}" type="datetimeFigureOut">
               <a:rPr lang="en-US" smtClean="0"/>
-              <a:t>26-Jul-21</a:t>
+              <a:t>27-Jul-21</a:t>
             </a:fld>
             <a:endParaRPr lang="en-US"/>
           </a:p>
@@ -1664,7 +1665,7 @@
           <a:p>
             <a:fld id="{61E195AD-842C-434B-9E52-BFFF979F97AA}" type="datetimeFigureOut">
               <a:rPr lang="en-US" smtClean="0"/>
-              <a:t>26-Jul-21</a:t>
+              <a:t>27-Jul-21</a:t>
             </a:fld>
             <a:endParaRPr lang="en-US"/>
           </a:p>
@@ -1872,7 +1873,7 @@
           <a:p>
             <a:fld id="{61E195AD-842C-434B-9E52-BFFF979F97AA}" type="datetimeFigureOut">
               <a:rPr lang="en-US" smtClean="0"/>
-              <a:t>26-Jul-21</a:t>
+              <a:t>27-Jul-21</a:t>
             </a:fld>
             <a:endParaRPr lang="en-US"/>
           </a:p>
@@ -2070,7 +2071,7 @@
           <a:p>
             <a:fld id="{61E195AD-842C-434B-9E52-BFFF979F97AA}" type="datetimeFigureOut">
               <a:rPr lang="en-US" smtClean="0"/>
-              <a:t>26-Jul-21</a:t>
+              <a:t>27-Jul-21</a:t>
             </a:fld>
             <a:endParaRPr lang="en-US"/>
           </a:p>
@@ -2345,7 +2346,7 @@
           <a:p>
             <a:fld id="{61E195AD-842C-434B-9E52-BFFF979F97AA}" type="datetimeFigureOut">
               <a:rPr lang="en-US" smtClean="0"/>
-              <a:t>26-Jul-21</a:t>
+              <a:t>27-Jul-21</a:t>
             </a:fld>
             <a:endParaRPr lang="en-US"/>
           </a:p>
@@ -2610,7 +2611,7 @@
           <a:p>
             <a:fld id="{61E195AD-842C-434B-9E52-BFFF979F97AA}" type="datetimeFigureOut">
               <a:rPr lang="en-US" smtClean="0"/>
-              <a:t>26-Jul-21</a:t>
+              <a:t>27-Jul-21</a:t>
             </a:fld>
             <a:endParaRPr lang="en-US"/>
           </a:p>
@@ -3022,7 +3023,7 @@
           <a:p>
             <a:fld id="{61E195AD-842C-434B-9E52-BFFF979F97AA}" type="datetimeFigureOut">
               <a:rPr lang="en-US" smtClean="0"/>
-              <a:t>26-Jul-21</a:t>
+              <a:t>27-Jul-21</a:t>
             </a:fld>
             <a:endParaRPr lang="en-US"/>
           </a:p>
@@ -3163,7 +3164,7 @@
           <a:p>
             <a:fld id="{61E195AD-842C-434B-9E52-BFFF979F97AA}" type="datetimeFigureOut">
               <a:rPr lang="en-US" smtClean="0"/>
-              <a:t>26-Jul-21</a:t>
+              <a:t>27-Jul-21</a:t>
             </a:fld>
             <a:endParaRPr lang="en-US"/>
           </a:p>
@@ -3276,7 +3277,7 @@
           <a:p>
             <a:fld id="{61E195AD-842C-434B-9E52-BFFF979F97AA}" type="datetimeFigureOut">
               <a:rPr lang="en-US" smtClean="0"/>
-              <a:t>26-Jul-21</a:t>
+              <a:t>27-Jul-21</a:t>
             </a:fld>
             <a:endParaRPr lang="en-US"/>
           </a:p>
@@ -3587,7 +3588,7 @@
           <a:p>
             <a:fld id="{61E195AD-842C-434B-9E52-BFFF979F97AA}" type="datetimeFigureOut">
               <a:rPr lang="en-US" smtClean="0"/>
-              <a:t>26-Jul-21</a:t>
+              <a:t>27-Jul-21</a:t>
             </a:fld>
             <a:endParaRPr lang="en-US"/>
           </a:p>
@@ -3875,7 +3876,7 @@
           <a:p>
             <a:fld id="{61E195AD-842C-434B-9E52-BFFF979F97AA}" type="datetimeFigureOut">
               <a:rPr lang="en-US" smtClean="0"/>
-              <a:t>26-Jul-21</a:t>
+              <a:t>27-Jul-21</a:t>
             </a:fld>
             <a:endParaRPr lang="en-US"/>
           </a:p>
@@ -4116,7 +4117,7 @@
           <a:p>
             <a:fld id="{61E195AD-842C-434B-9E52-BFFF979F97AA}" type="datetimeFigureOut">
               <a:rPr lang="en-US" smtClean="0"/>
-              <a:t>26-Jul-21</a:t>
+              <a:t>27-Jul-21</a:t>
             </a:fld>
             <a:endParaRPr lang="en-US"/>
           </a:p>
@@ -4830,6 +4831,162 @@
 <file path=ppt/slides/slide2.xml><?xml version="1.0" encoding="utf-8"?>
 <p:sld xmlns:a="http://schemas.openxmlformats.org/drawingml/2006/main" xmlns:r="http://schemas.openxmlformats.org/officeDocument/2006/relationships" xmlns:p="http://schemas.openxmlformats.org/presentationml/2006/main">
   <p:cSld>
+    <p:bg>
+      <p:bgPr>
+        <a:blipFill dpi="0" rotWithShape="1">
+          <a:blip r:embed="rId2">
+            <a:alphaModFix amt="23000"/>
+            <a:lum/>
+          </a:blip>
+          <a:srcRect/>
+          <a:tile tx="0" ty="0" sx="35000" sy="35000" flip="none" algn="tl"/>
+        </a:blipFill>
+        <a:effectLst/>
+      </p:bgPr>
+    </p:bg>
+    <p:spTree>
+      <p:nvGrpSpPr>
+        <p:cNvPr id="1" name=""/>
+        <p:cNvGrpSpPr/>
+        <p:nvPr/>
+      </p:nvGrpSpPr>
+      <p:grpSpPr>
+        <a:xfrm>
+          <a:off x="0" y="0"/>
+          <a:ext cx="0" cy="0"/>
+          <a:chOff x="0" y="0"/>
+          <a:chExt cx="0" cy="0"/>
+        </a:xfrm>
+      </p:grpSpPr>
+      <p:sp>
+        <p:nvSpPr>
+          <p:cNvPr id="16" name="Title 15">
+            <a:extLst>
+              <a:ext uri="{FF2B5EF4-FFF2-40B4-BE49-F238E27FC236}">
+                <a16:creationId xmlns:a16="http://schemas.microsoft.com/office/drawing/2014/main" id="{42DF5DAC-0C4E-4D83-853C-8D05CE80BBF0}"/>
+              </a:ext>
+            </a:extLst>
+          </p:cNvPr>
+          <p:cNvSpPr>
+            <a:spLocks noGrp="1"/>
+          </p:cNvSpPr>
+          <p:nvPr>
+            <p:ph type="ctrTitle"/>
+          </p:nvPr>
+        </p:nvSpPr>
+        <p:spPr/>
+        <p:txBody>
+          <a:bodyPr>
+            <a:normAutofit fontScale="90000"/>
+          </a:bodyPr>
+          <a:lstStyle/>
+          <a:p>
+            <a:r>
+              <a:rPr lang="en-US" dirty="0"/>
+              <a:t>Data Insights</a:t>
+            </a:r>
+            <a:br>
+              <a:rPr lang="en-US" dirty="0"/>
+            </a:br>
+            <a:r>
+              <a:rPr lang="en-US" dirty="0"/>
+              <a:t>for</a:t>
+            </a:r>
+            <a:br>
+              <a:rPr lang="en-US" dirty="0"/>
+            </a:br>
+            <a:r>
+              <a:rPr lang="en-US" dirty="0"/>
+              <a:t>Hand Up America</a:t>
+            </a:r>
+          </a:p>
+        </p:txBody>
+      </p:sp>
+      <p:sp>
+        <p:nvSpPr>
+          <p:cNvPr id="17" name="Subtitle 16">
+            <a:extLst>
+              <a:ext uri="{FF2B5EF4-FFF2-40B4-BE49-F238E27FC236}">
+                <a16:creationId xmlns:a16="http://schemas.microsoft.com/office/drawing/2014/main" id="{F06E737E-4D77-4330-90D6-93752FAE0748}"/>
+              </a:ext>
+            </a:extLst>
+          </p:cNvPr>
+          <p:cNvSpPr>
+            <a:spLocks noGrp="1"/>
+          </p:cNvSpPr>
+          <p:nvPr>
+            <p:ph type="subTitle" idx="1"/>
+          </p:nvPr>
+        </p:nvSpPr>
+        <p:spPr/>
+        <p:txBody>
+          <a:bodyPr>
+            <a:normAutofit lnSpcReduction="10000"/>
+          </a:bodyPr>
+          <a:lstStyle/>
+          <a:p>
+            <a:r>
+              <a:rPr lang="en-US" dirty="0"/>
+              <a:t>Presented by</a:t>
+            </a:r>
+          </a:p>
+          <a:p>
+            <a:r>
+              <a:rPr lang="en-US" dirty="0"/>
+              <a:t>Derek Price, Maria Contreras, Michael </a:t>
+            </a:r>
+            <a:r>
+              <a:rPr lang="en-US" dirty="0" err="1"/>
+              <a:t>Ferral</a:t>
+            </a:r>
+            <a:r>
+              <a:rPr lang="en-US" dirty="0"/>
+              <a:t>, Rachel </a:t>
+            </a:r>
+            <a:r>
+              <a:rPr lang="en-US" dirty="0" err="1"/>
+              <a:t>Manlove</a:t>
+            </a:r>
+            <a:endParaRPr lang="en-US" dirty="0"/>
+          </a:p>
+          <a:p>
+            <a:r>
+              <a:rPr lang="en-US" dirty="0"/>
+              <a:t>26 July 2021</a:t>
+            </a:r>
+          </a:p>
+          <a:p>
+            <a:r>
+              <a:rPr lang="en-US" dirty="0"/>
+              <a:t>“</a:t>
+            </a:r>
+            <a:r>
+              <a:rPr lang="en-US" i="1" dirty="0"/>
+              <a:t>Reach the Top Branches with Green Giraffes”</a:t>
+            </a:r>
+            <a:endParaRPr lang="en-US" dirty="0"/>
+          </a:p>
+          <a:p>
+            <a:endParaRPr lang="en-US" dirty="0"/>
+          </a:p>
+        </p:txBody>
+      </p:sp>
+    </p:spTree>
+    <p:extLst>
+      <p:ext uri="{BB962C8B-B14F-4D97-AF65-F5344CB8AC3E}">
+        <p14:creationId xmlns:p14="http://schemas.microsoft.com/office/powerpoint/2010/main" val="3174305233"/>
+      </p:ext>
+    </p:extLst>
+  </p:cSld>
+  <p:clrMapOvr>
+    <a:masterClrMapping/>
+  </p:clrMapOvr>
+</p:sld>
+</file>
+
+<file path=ppt/slides/slide3.xml><?xml version="1.0" encoding="utf-8"?>
+<p:sld xmlns:a="http://schemas.openxmlformats.org/drawingml/2006/main" xmlns:r="http://schemas.openxmlformats.org/officeDocument/2006/relationships" xmlns:p="http://schemas.openxmlformats.org/presentationml/2006/main">
+  <p:cSld>
     <p:spTree>
       <p:nvGrpSpPr>
         <p:cNvPr id="1" name=""/>
